--- a/public/thesis_flowchart.pptx
+++ b/public/thesis_flowchart.pptx
@@ -254,7 +254,7 @@
           <a:p>
             <a:fld id="{C11135B2-2799-7344-BFFA-55E9A98D16BB}" type="datetimeFigureOut">
               <a:rPr lang="en-US" smtClean="0"/>
-              <a:t>4/11/24</a:t>
+              <a:t>4/12/24</a:t>
             </a:fld>
             <a:endParaRPr lang="en-US"/>
           </a:p>
@@ -424,7 +424,7 @@
           <a:p>
             <a:fld id="{C11135B2-2799-7344-BFFA-55E9A98D16BB}" type="datetimeFigureOut">
               <a:rPr lang="en-US" smtClean="0"/>
-              <a:t>4/11/24</a:t>
+              <a:t>4/12/24</a:t>
             </a:fld>
             <a:endParaRPr lang="en-US"/>
           </a:p>
@@ -604,7 +604,7 @@
           <a:p>
             <a:fld id="{C11135B2-2799-7344-BFFA-55E9A98D16BB}" type="datetimeFigureOut">
               <a:rPr lang="en-US" smtClean="0"/>
-              <a:t>4/11/24</a:t>
+              <a:t>4/12/24</a:t>
             </a:fld>
             <a:endParaRPr lang="en-US"/>
           </a:p>
@@ -774,7 +774,7 @@
           <a:p>
             <a:fld id="{C11135B2-2799-7344-BFFA-55E9A98D16BB}" type="datetimeFigureOut">
               <a:rPr lang="en-US" smtClean="0"/>
-              <a:t>4/11/24</a:t>
+              <a:t>4/12/24</a:t>
             </a:fld>
             <a:endParaRPr lang="en-US"/>
           </a:p>
@@ -1020,7 +1020,7 @@
           <a:p>
             <a:fld id="{C11135B2-2799-7344-BFFA-55E9A98D16BB}" type="datetimeFigureOut">
               <a:rPr lang="en-US" smtClean="0"/>
-              <a:t>4/11/24</a:t>
+              <a:t>4/12/24</a:t>
             </a:fld>
             <a:endParaRPr lang="en-US"/>
           </a:p>
@@ -1252,7 +1252,7 @@
           <a:p>
             <a:fld id="{C11135B2-2799-7344-BFFA-55E9A98D16BB}" type="datetimeFigureOut">
               <a:rPr lang="en-US" smtClean="0"/>
-              <a:t>4/11/24</a:t>
+              <a:t>4/12/24</a:t>
             </a:fld>
             <a:endParaRPr lang="en-US"/>
           </a:p>
@@ -1619,7 +1619,7 @@
           <a:p>
             <a:fld id="{C11135B2-2799-7344-BFFA-55E9A98D16BB}" type="datetimeFigureOut">
               <a:rPr lang="en-US" smtClean="0"/>
-              <a:t>4/11/24</a:t>
+              <a:t>4/12/24</a:t>
             </a:fld>
             <a:endParaRPr lang="en-US"/>
           </a:p>
@@ -1737,7 +1737,7 @@
           <a:p>
             <a:fld id="{C11135B2-2799-7344-BFFA-55E9A98D16BB}" type="datetimeFigureOut">
               <a:rPr lang="en-US" smtClean="0"/>
-              <a:t>4/11/24</a:t>
+              <a:t>4/12/24</a:t>
             </a:fld>
             <a:endParaRPr lang="en-US"/>
           </a:p>
@@ -1832,7 +1832,7 @@
           <a:p>
             <a:fld id="{C11135B2-2799-7344-BFFA-55E9A98D16BB}" type="datetimeFigureOut">
               <a:rPr lang="en-US" smtClean="0"/>
-              <a:t>4/11/24</a:t>
+              <a:t>4/12/24</a:t>
             </a:fld>
             <a:endParaRPr lang="en-US"/>
           </a:p>
@@ -2109,7 +2109,7 @@
           <a:p>
             <a:fld id="{C11135B2-2799-7344-BFFA-55E9A98D16BB}" type="datetimeFigureOut">
               <a:rPr lang="en-US" smtClean="0"/>
-              <a:t>4/11/24</a:t>
+              <a:t>4/12/24</a:t>
             </a:fld>
             <a:endParaRPr lang="en-US"/>
           </a:p>
@@ -2366,7 +2366,7 @@
           <a:p>
             <a:fld id="{C11135B2-2799-7344-BFFA-55E9A98D16BB}" type="datetimeFigureOut">
               <a:rPr lang="en-US" smtClean="0"/>
-              <a:t>4/11/24</a:t>
+              <a:t>4/12/24</a:t>
             </a:fld>
             <a:endParaRPr lang="en-US"/>
           </a:p>
@@ -2579,7 +2579,7 @@
           <a:p>
             <a:fld id="{C11135B2-2799-7344-BFFA-55E9A98D16BB}" type="datetimeFigureOut">
               <a:rPr lang="en-US" smtClean="0"/>
-              <a:t>4/11/24</a:t>
+              <a:t>4/12/24</a:t>
             </a:fld>
             <a:endParaRPr lang="en-US"/>
           </a:p>
@@ -3759,7 +3759,24 @@
                   <a:schemeClr val="tx1"/>
                 </a:solidFill>
               </a:rPr>
-              <a:t>Run the satsitu_l2.py script to: </a:t>
+              <a:t>Run the </a:t>
+            </a:r>
+            <a:r>
+              <a:rPr lang="en-US" sz="1000" dirty="0">
+                <a:solidFill>
+                  <a:schemeClr val="tx1"/>
+                </a:solidFill>
+                <a:hlinkClick r:id="rId3"/>
+              </a:rPr>
+              <a:t>satsitu_l2.py</a:t>
+            </a:r>
+            <a:r>
+              <a:rPr lang="en-US" sz="1000" dirty="0">
+                <a:solidFill>
+                  <a:schemeClr val="tx1"/>
+                </a:solidFill>
+              </a:rPr>
+              <a:t> script to: </a:t>
             </a:r>
           </a:p>
           <a:p>
@@ -3883,7 +3900,24 @@
                   <a:schemeClr val="tx1"/>
                 </a:solidFill>
               </a:rPr>
-              <a:t>Run the 2D_contour.py script to:</a:t>
+              <a:t>Run the </a:t>
+            </a:r>
+            <a:r>
+              <a:rPr lang="en-US" sz="900" dirty="0">
+                <a:solidFill>
+                  <a:schemeClr val="tx1"/>
+                </a:solidFill>
+                <a:hlinkClick r:id="rId4"/>
+              </a:rPr>
+              <a:t>2D_contour.py</a:t>
+            </a:r>
+            <a:r>
+              <a:rPr lang="en-US" sz="900" dirty="0">
+                <a:solidFill>
+                  <a:schemeClr val="tx1"/>
+                </a:solidFill>
+              </a:rPr>
+              <a:t> script to:</a:t>
             </a:r>
           </a:p>
           <a:p>
@@ -4204,6 +4238,7 @@
                 <a:solidFill>
                   <a:schemeClr val="tx1"/>
                 </a:solidFill>
+                <a:hlinkClick r:id="rId5"/>
               </a:rPr>
               <a:t>masonboro_mosaic.py</a:t>
             </a:r>
@@ -4373,6 +4408,7 @@
                 <a:solidFill>
                   <a:schemeClr val="tx1"/>
                 </a:solidFill>
+                <a:hlinkClick r:id="rId6"/>
               </a:rPr>
               <a:t>aggregate_satsitu.py</a:t>
             </a:r>
@@ -4556,6 +4592,7 @@
                 <a:solidFill>
                   <a:schemeClr val="tx1"/>
                 </a:solidFill>
+                <a:hlinkClick r:id="rId7"/>
               </a:rPr>
               <a:t>stats.py</a:t>
             </a:r>
@@ -4801,7 +4838,24 @@
                   <a:schemeClr val="tx1"/>
                 </a:solidFill>
               </a:rPr>
-              <a:t>Run the 3D_contour.py script to:</a:t>
+              <a:t>Run the </a:t>
+            </a:r>
+            <a:r>
+              <a:rPr lang="en-US" sz="900" dirty="0">
+                <a:solidFill>
+                  <a:schemeClr val="tx1"/>
+                </a:solidFill>
+                <a:hlinkClick r:id="rId8"/>
+              </a:rPr>
+              <a:t>3D_contour.py</a:t>
+            </a:r>
+            <a:r>
+              <a:rPr lang="en-US" sz="900" dirty="0">
+                <a:solidFill>
+                  <a:schemeClr val="tx1"/>
+                </a:solidFill>
+              </a:rPr>
+              <a:t> script to:</a:t>
             </a:r>
           </a:p>
           <a:p>
@@ -4993,6 +5047,48 @@
             <a:ext cx="274007" cy="1839"/>
           </a:xfrm>
           <a:prstGeom prst="straightConnector1">
+            <a:avLst/>
+          </a:prstGeom>
+          <a:ln>
+            <a:tailEnd type="triangle"/>
+          </a:ln>
+        </p:spPr>
+        <p:style>
+          <a:lnRef idx="2">
+            <a:schemeClr val="accent1"/>
+          </a:lnRef>
+          <a:fillRef idx="0">
+            <a:schemeClr val="accent1"/>
+          </a:fillRef>
+          <a:effectRef idx="1">
+            <a:schemeClr val="accent1"/>
+          </a:effectRef>
+          <a:fontRef idx="minor">
+            <a:schemeClr val="tx1"/>
+          </a:fontRef>
+        </p:style>
+      </p:cxnSp>
+      <p:cxnSp>
+        <p:nvCxnSpPr>
+          <p:cNvPr id="3" name="Elbow Connector 2">
+            <a:extLst>
+              <a:ext uri="{FF2B5EF4-FFF2-40B4-BE49-F238E27FC236}">
+                <a16:creationId xmlns:a16="http://schemas.microsoft.com/office/drawing/2014/main" id="{7C064826-ECF9-46C5-BC31-A7C63AE0DED7}"/>
+              </a:ext>
+            </a:extLst>
+          </p:cNvPr>
+          <p:cNvCxnSpPr>
+            <a:stCxn id="18" idx="1"/>
+            <a:endCxn id="212" idx="3"/>
+          </p:cNvCxnSpPr>
+          <p:nvPr/>
+        </p:nvCxnSpPr>
+        <p:spPr>
+          <a:xfrm rot="10800000">
+            <a:off x="4738579" y="3983416"/>
+            <a:ext cx="625994" cy="321819"/>
+          </a:xfrm>
+          <a:prstGeom prst="bentConnector3">
             <a:avLst/>
           </a:prstGeom>
           <a:ln>

--- a/public/thesis_flowchart.pptx
+++ b/public/thesis_flowchart.pptx
@@ -254,7 +254,7 @@
           <a:p>
             <a:fld id="{C11135B2-2799-7344-BFFA-55E9A98D16BB}" type="datetimeFigureOut">
               <a:rPr lang="en-US" smtClean="0"/>
-              <a:t>4/12/24</a:t>
+              <a:t>4/13/24</a:t>
             </a:fld>
             <a:endParaRPr lang="en-US"/>
           </a:p>
@@ -424,7 +424,7 @@
           <a:p>
             <a:fld id="{C11135B2-2799-7344-BFFA-55E9A98D16BB}" type="datetimeFigureOut">
               <a:rPr lang="en-US" smtClean="0"/>
-              <a:t>4/12/24</a:t>
+              <a:t>4/13/24</a:t>
             </a:fld>
             <a:endParaRPr lang="en-US"/>
           </a:p>
@@ -604,7 +604,7 @@
           <a:p>
             <a:fld id="{C11135B2-2799-7344-BFFA-55E9A98D16BB}" type="datetimeFigureOut">
               <a:rPr lang="en-US" smtClean="0"/>
-              <a:t>4/12/24</a:t>
+              <a:t>4/13/24</a:t>
             </a:fld>
             <a:endParaRPr lang="en-US"/>
           </a:p>
@@ -774,7 +774,7 @@
           <a:p>
             <a:fld id="{C11135B2-2799-7344-BFFA-55E9A98D16BB}" type="datetimeFigureOut">
               <a:rPr lang="en-US" smtClean="0"/>
-              <a:t>4/12/24</a:t>
+              <a:t>4/13/24</a:t>
             </a:fld>
             <a:endParaRPr lang="en-US"/>
           </a:p>
@@ -1020,7 +1020,7 @@
           <a:p>
             <a:fld id="{C11135B2-2799-7344-BFFA-55E9A98D16BB}" type="datetimeFigureOut">
               <a:rPr lang="en-US" smtClean="0"/>
-              <a:t>4/12/24</a:t>
+              <a:t>4/13/24</a:t>
             </a:fld>
             <a:endParaRPr lang="en-US"/>
           </a:p>
@@ -1252,7 +1252,7 @@
           <a:p>
             <a:fld id="{C11135B2-2799-7344-BFFA-55E9A98D16BB}" type="datetimeFigureOut">
               <a:rPr lang="en-US" smtClean="0"/>
-              <a:t>4/12/24</a:t>
+              <a:t>4/13/24</a:t>
             </a:fld>
             <a:endParaRPr lang="en-US"/>
           </a:p>
@@ -1619,7 +1619,7 @@
           <a:p>
             <a:fld id="{C11135B2-2799-7344-BFFA-55E9A98D16BB}" type="datetimeFigureOut">
               <a:rPr lang="en-US" smtClean="0"/>
-              <a:t>4/12/24</a:t>
+              <a:t>4/13/24</a:t>
             </a:fld>
             <a:endParaRPr lang="en-US"/>
           </a:p>
@@ -1737,7 +1737,7 @@
           <a:p>
             <a:fld id="{C11135B2-2799-7344-BFFA-55E9A98D16BB}" type="datetimeFigureOut">
               <a:rPr lang="en-US" smtClean="0"/>
-              <a:t>4/12/24</a:t>
+              <a:t>4/13/24</a:t>
             </a:fld>
             <a:endParaRPr lang="en-US"/>
           </a:p>
@@ -1832,7 +1832,7 @@
           <a:p>
             <a:fld id="{C11135B2-2799-7344-BFFA-55E9A98D16BB}" type="datetimeFigureOut">
               <a:rPr lang="en-US" smtClean="0"/>
-              <a:t>4/12/24</a:t>
+              <a:t>4/13/24</a:t>
             </a:fld>
             <a:endParaRPr lang="en-US"/>
           </a:p>
@@ -2109,7 +2109,7 @@
           <a:p>
             <a:fld id="{C11135B2-2799-7344-BFFA-55E9A98D16BB}" type="datetimeFigureOut">
               <a:rPr lang="en-US" smtClean="0"/>
-              <a:t>4/12/24</a:t>
+              <a:t>4/13/24</a:t>
             </a:fld>
             <a:endParaRPr lang="en-US"/>
           </a:p>
@@ -2366,7 +2366,7 @@
           <a:p>
             <a:fld id="{C11135B2-2799-7344-BFFA-55E9A98D16BB}" type="datetimeFigureOut">
               <a:rPr lang="en-US" smtClean="0"/>
-              <a:t>4/12/24</a:t>
+              <a:t>4/13/24</a:t>
             </a:fld>
             <a:endParaRPr lang="en-US"/>
           </a:p>
@@ -2579,7 +2579,7 @@
           <a:p>
             <a:fld id="{C11135B2-2799-7344-BFFA-55E9A98D16BB}" type="datetimeFigureOut">
               <a:rPr lang="en-US" smtClean="0"/>
-              <a:t>4/12/24</a:t>
+              <a:t>4/13/24</a:t>
             </a:fld>
             <a:endParaRPr lang="en-US"/>
           </a:p>
@@ -3768,7 +3768,7 @@
                 </a:solidFill>
                 <a:hlinkClick r:id="rId3"/>
               </a:rPr>
-              <a:t>satsitu_l2.py</a:t>
+              <a:t>satsitu.py </a:t>
             </a:r>
             <a:r>
               <a:rPr lang="en-US" sz="1000" dirty="0">
@@ -3776,7 +3776,7 @@
                   <a:schemeClr val="tx1"/>
                 </a:solidFill>
               </a:rPr>
-              <a:t> script to: </a:t>
+              <a:t>script to: </a:t>
             </a:r>
           </a:p>
           <a:p>
@@ -3909,7 +3909,7 @@
                 </a:solidFill>
                 <a:hlinkClick r:id="rId4"/>
               </a:rPr>
-              <a:t>2D_contour.py</a:t>
+              <a:t>2D_contour.py </a:t>
             </a:r>
             <a:r>
               <a:rPr lang="en-US" sz="900" dirty="0">
@@ -3917,7 +3917,7 @@
                   <a:schemeClr val="tx1"/>
                 </a:solidFill>
               </a:rPr>
-              <a:t> script to:</a:t>
+              <a:t>script to:</a:t>
             </a:r>
           </a:p>
           <a:p>
@@ -4234,13 +4234,13 @@
               <a:t>Run the </a:t>
             </a:r>
             <a:r>
-              <a:rPr lang="en-US" sz="900" dirty="0" err="1">
+              <a:rPr lang="en-US" sz="900" dirty="0">
                 <a:solidFill>
                   <a:schemeClr val="tx1"/>
                 </a:solidFill>
                 <a:hlinkClick r:id="rId5"/>
               </a:rPr>
-              <a:t>masonboro_mosaic.py</a:t>
+              <a:t>masonboro_mosaic.py </a:t>
             </a:r>
             <a:r>
               <a:rPr lang="en-US" sz="900" dirty="0">
@@ -4248,7 +4248,7 @@
                   <a:schemeClr val="tx1"/>
                 </a:solidFill>
               </a:rPr>
-              <a:t> script to:</a:t>
+              <a:t>script to:</a:t>
             </a:r>
           </a:p>
           <a:p>
@@ -4417,8 +4417,17 @@
                 <a:solidFill>
                   <a:schemeClr val="tx1"/>
                 </a:solidFill>
-              </a:rPr>
-              <a:t> script to: </a:t>
+                <a:hlinkClick r:id="rId6"/>
+              </a:rPr>
+              <a:t> </a:t>
+            </a:r>
+            <a:r>
+              <a:rPr lang="en-US" sz="900" dirty="0">
+                <a:solidFill>
+                  <a:schemeClr val="tx1"/>
+                </a:solidFill>
+              </a:rPr>
+              <a:t>script to: </a:t>
             </a:r>
           </a:p>
           <a:p>
@@ -4601,8 +4610,17 @@
                 <a:solidFill>
                   <a:schemeClr val="tx1"/>
                 </a:solidFill>
-              </a:rPr>
-              <a:t> script to:</a:t>
+                <a:hlinkClick r:id="rId7"/>
+              </a:rPr>
+              <a:t> </a:t>
+            </a:r>
+            <a:r>
+              <a:rPr lang="en-US" sz="900" dirty="0">
+                <a:solidFill>
+                  <a:schemeClr val="tx1"/>
+                </a:solidFill>
+              </a:rPr>
+              <a:t>script to:</a:t>
             </a:r>
           </a:p>
           <a:p>
@@ -4847,7 +4865,7 @@
                 </a:solidFill>
                 <a:hlinkClick r:id="rId8"/>
               </a:rPr>
-              <a:t>3D_contour.py</a:t>
+              <a:t>3D_contour.py </a:t>
             </a:r>
             <a:r>
               <a:rPr lang="en-US" sz="900" dirty="0">
@@ -4855,7 +4873,7 @@
                   <a:schemeClr val="tx1"/>
                 </a:solidFill>
               </a:rPr>
-              <a:t> script to:</a:t>
+              <a:t>script to:</a:t>
             </a:r>
           </a:p>
           <a:p>

--- a/public/thesis_flowchart.pptx
+++ b/public/thesis_flowchart.pptx
@@ -254,7 +254,7 @@
           <a:p>
             <a:fld id="{C11135B2-2799-7344-BFFA-55E9A98D16BB}" type="datetimeFigureOut">
               <a:rPr lang="en-US" smtClean="0"/>
-              <a:t>4/13/24</a:t>
+              <a:t>4/15/24</a:t>
             </a:fld>
             <a:endParaRPr lang="en-US"/>
           </a:p>
@@ -424,7 +424,7 @@
           <a:p>
             <a:fld id="{C11135B2-2799-7344-BFFA-55E9A98D16BB}" type="datetimeFigureOut">
               <a:rPr lang="en-US" smtClean="0"/>
-              <a:t>4/13/24</a:t>
+              <a:t>4/15/24</a:t>
             </a:fld>
             <a:endParaRPr lang="en-US"/>
           </a:p>
@@ -604,7 +604,7 @@
           <a:p>
             <a:fld id="{C11135B2-2799-7344-BFFA-55E9A98D16BB}" type="datetimeFigureOut">
               <a:rPr lang="en-US" smtClean="0"/>
-              <a:t>4/13/24</a:t>
+              <a:t>4/15/24</a:t>
             </a:fld>
             <a:endParaRPr lang="en-US"/>
           </a:p>
@@ -774,7 +774,7 @@
           <a:p>
             <a:fld id="{C11135B2-2799-7344-BFFA-55E9A98D16BB}" type="datetimeFigureOut">
               <a:rPr lang="en-US" smtClean="0"/>
-              <a:t>4/13/24</a:t>
+              <a:t>4/15/24</a:t>
             </a:fld>
             <a:endParaRPr lang="en-US"/>
           </a:p>
@@ -1020,7 +1020,7 @@
           <a:p>
             <a:fld id="{C11135B2-2799-7344-BFFA-55E9A98D16BB}" type="datetimeFigureOut">
               <a:rPr lang="en-US" smtClean="0"/>
-              <a:t>4/13/24</a:t>
+              <a:t>4/15/24</a:t>
             </a:fld>
             <a:endParaRPr lang="en-US"/>
           </a:p>
@@ -1252,7 +1252,7 @@
           <a:p>
             <a:fld id="{C11135B2-2799-7344-BFFA-55E9A98D16BB}" type="datetimeFigureOut">
               <a:rPr lang="en-US" smtClean="0"/>
-              <a:t>4/13/24</a:t>
+              <a:t>4/15/24</a:t>
             </a:fld>
             <a:endParaRPr lang="en-US"/>
           </a:p>
@@ -1619,7 +1619,7 @@
           <a:p>
             <a:fld id="{C11135B2-2799-7344-BFFA-55E9A98D16BB}" type="datetimeFigureOut">
               <a:rPr lang="en-US" smtClean="0"/>
-              <a:t>4/13/24</a:t>
+              <a:t>4/15/24</a:t>
             </a:fld>
             <a:endParaRPr lang="en-US"/>
           </a:p>
@@ -1737,7 +1737,7 @@
           <a:p>
             <a:fld id="{C11135B2-2799-7344-BFFA-55E9A98D16BB}" type="datetimeFigureOut">
               <a:rPr lang="en-US" smtClean="0"/>
-              <a:t>4/13/24</a:t>
+              <a:t>4/15/24</a:t>
             </a:fld>
             <a:endParaRPr lang="en-US"/>
           </a:p>
@@ -1832,7 +1832,7 @@
           <a:p>
             <a:fld id="{C11135B2-2799-7344-BFFA-55E9A98D16BB}" type="datetimeFigureOut">
               <a:rPr lang="en-US" smtClean="0"/>
-              <a:t>4/13/24</a:t>
+              <a:t>4/15/24</a:t>
             </a:fld>
             <a:endParaRPr lang="en-US"/>
           </a:p>
@@ -2109,7 +2109,7 @@
           <a:p>
             <a:fld id="{C11135B2-2799-7344-BFFA-55E9A98D16BB}" type="datetimeFigureOut">
               <a:rPr lang="en-US" smtClean="0"/>
-              <a:t>4/13/24</a:t>
+              <a:t>4/15/24</a:t>
             </a:fld>
             <a:endParaRPr lang="en-US"/>
           </a:p>
@@ -2366,7 +2366,7 @@
           <a:p>
             <a:fld id="{C11135B2-2799-7344-BFFA-55E9A98D16BB}" type="datetimeFigureOut">
               <a:rPr lang="en-US" smtClean="0"/>
-              <a:t>4/13/24</a:t>
+              <a:t>4/15/24</a:t>
             </a:fld>
             <a:endParaRPr lang="en-US"/>
           </a:p>
@@ -2579,7 +2579,7 @@
           <a:p>
             <a:fld id="{C11135B2-2799-7344-BFFA-55E9A98D16BB}" type="datetimeFigureOut">
               <a:rPr lang="en-US" smtClean="0"/>
-              <a:t>4/13/24</a:t>
+              <a:t>4/15/24</a:t>
             </a:fld>
             <a:endParaRPr lang="en-US"/>
           </a:p>
@@ -3610,13 +3610,22 @@
               <a:t>Run the </a:t>
             </a:r>
             <a:r>
+              <a:rPr lang="en-US" sz="900" dirty="0" err="1">
+                <a:solidFill>
+                  <a:schemeClr val="tx1"/>
+                </a:solidFill>
+                <a:hlinkClick r:id="rId2"/>
+              </a:rPr>
+              <a:t>preprocessing.py</a:t>
+            </a:r>
+            <a:r>
               <a:rPr lang="en-US" sz="900" dirty="0">
                 <a:solidFill>
                   <a:schemeClr val="tx1"/>
                 </a:solidFill>
                 <a:hlinkClick r:id="rId2"/>
               </a:rPr>
-              <a:t>preprocessing script </a:t>
+              <a:t> </a:t>
             </a:r>
             <a:r>
               <a:rPr lang="en-US" sz="900" dirty="0">
@@ -3624,7 +3633,7 @@
                   <a:schemeClr val="tx1"/>
                 </a:solidFill>
               </a:rPr>
-              <a:t>to:</a:t>
+              <a:t>script to:</a:t>
             </a:r>
           </a:p>
           <a:p>

--- a/public/thesis_flowchart.pptx
+++ b/public/thesis_flowchart.pptx
@@ -254,7 +254,7 @@
           <a:p>
             <a:fld id="{C11135B2-2799-7344-BFFA-55E9A98D16BB}" type="datetimeFigureOut">
               <a:rPr lang="en-US" smtClean="0"/>
-              <a:t>4/15/24</a:t>
+              <a:t>4/17/24</a:t>
             </a:fld>
             <a:endParaRPr lang="en-US"/>
           </a:p>
@@ -424,7 +424,7 @@
           <a:p>
             <a:fld id="{C11135B2-2799-7344-BFFA-55E9A98D16BB}" type="datetimeFigureOut">
               <a:rPr lang="en-US" smtClean="0"/>
-              <a:t>4/15/24</a:t>
+              <a:t>4/17/24</a:t>
             </a:fld>
             <a:endParaRPr lang="en-US"/>
           </a:p>
@@ -604,7 +604,7 @@
           <a:p>
             <a:fld id="{C11135B2-2799-7344-BFFA-55E9A98D16BB}" type="datetimeFigureOut">
               <a:rPr lang="en-US" smtClean="0"/>
-              <a:t>4/15/24</a:t>
+              <a:t>4/17/24</a:t>
             </a:fld>
             <a:endParaRPr lang="en-US"/>
           </a:p>
@@ -774,7 +774,7 @@
           <a:p>
             <a:fld id="{C11135B2-2799-7344-BFFA-55E9A98D16BB}" type="datetimeFigureOut">
               <a:rPr lang="en-US" smtClean="0"/>
-              <a:t>4/15/24</a:t>
+              <a:t>4/17/24</a:t>
             </a:fld>
             <a:endParaRPr lang="en-US"/>
           </a:p>
@@ -1020,7 +1020,7 @@
           <a:p>
             <a:fld id="{C11135B2-2799-7344-BFFA-55E9A98D16BB}" type="datetimeFigureOut">
               <a:rPr lang="en-US" smtClean="0"/>
-              <a:t>4/15/24</a:t>
+              <a:t>4/17/24</a:t>
             </a:fld>
             <a:endParaRPr lang="en-US"/>
           </a:p>
@@ -1252,7 +1252,7 @@
           <a:p>
             <a:fld id="{C11135B2-2799-7344-BFFA-55E9A98D16BB}" type="datetimeFigureOut">
               <a:rPr lang="en-US" smtClean="0"/>
-              <a:t>4/15/24</a:t>
+              <a:t>4/17/24</a:t>
             </a:fld>
             <a:endParaRPr lang="en-US"/>
           </a:p>
@@ -1619,7 +1619,7 @@
           <a:p>
             <a:fld id="{C11135B2-2799-7344-BFFA-55E9A98D16BB}" type="datetimeFigureOut">
               <a:rPr lang="en-US" smtClean="0"/>
-              <a:t>4/15/24</a:t>
+              <a:t>4/17/24</a:t>
             </a:fld>
             <a:endParaRPr lang="en-US"/>
           </a:p>
@@ -1737,7 +1737,7 @@
           <a:p>
             <a:fld id="{C11135B2-2799-7344-BFFA-55E9A98D16BB}" type="datetimeFigureOut">
               <a:rPr lang="en-US" smtClean="0"/>
-              <a:t>4/15/24</a:t>
+              <a:t>4/17/24</a:t>
             </a:fld>
             <a:endParaRPr lang="en-US"/>
           </a:p>
@@ -1832,7 +1832,7 @@
           <a:p>
             <a:fld id="{C11135B2-2799-7344-BFFA-55E9A98D16BB}" type="datetimeFigureOut">
               <a:rPr lang="en-US" smtClean="0"/>
-              <a:t>4/15/24</a:t>
+              <a:t>4/17/24</a:t>
             </a:fld>
             <a:endParaRPr lang="en-US"/>
           </a:p>
@@ -2109,7 +2109,7 @@
           <a:p>
             <a:fld id="{C11135B2-2799-7344-BFFA-55E9A98D16BB}" type="datetimeFigureOut">
               <a:rPr lang="en-US" smtClean="0"/>
-              <a:t>4/15/24</a:t>
+              <a:t>4/17/24</a:t>
             </a:fld>
             <a:endParaRPr lang="en-US"/>
           </a:p>
@@ -2366,7 +2366,7 @@
           <a:p>
             <a:fld id="{C11135B2-2799-7344-BFFA-55E9A98D16BB}" type="datetimeFigureOut">
               <a:rPr lang="en-US" smtClean="0"/>
-              <a:t>4/15/24</a:t>
+              <a:t>4/17/24</a:t>
             </a:fld>
             <a:endParaRPr lang="en-US"/>
           </a:p>
@@ -2579,7 +2579,7 @@
           <a:p>
             <a:fld id="{C11135B2-2799-7344-BFFA-55E9A98D16BB}" type="datetimeFigureOut">
               <a:rPr lang="en-US" smtClean="0"/>
-              <a:t>4/15/24</a:t>
+              <a:t>4/17/24</a:t>
             </a:fld>
             <a:endParaRPr lang="en-US"/>
           </a:p>
@@ -5014,16 +5014,6 @@
             </a:r>
           </a:p>
           <a:p>
-            <a:r>
-              <a:rPr lang="en-US" sz="1000" dirty="0">
-                <a:solidFill>
-                  <a:schemeClr val="tx1"/>
-                </a:solidFill>
-              </a:rPr>
-              <a:t>Use R to:</a:t>
-            </a:r>
-          </a:p>
-          <a:p>
             <a:pPr marL="171450" indent="-171450">
               <a:buFont typeface="Arial" panose="020B0604020202020204" pitchFamily="34" charset="0"/>
               <a:buChar char="•"/>
@@ -5034,7 +5024,7 @@
                   <a:schemeClr val="tx1"/>
                 </a:solidFill>
               </a:rPr>
-              <a:t>Load in the comprehensive statistical dataset.</a:t>
+              <a:t>Load comprehensive statistical dataset.</a:t>
             </a:r>
           </a:p>
           <a:p>

--- a/public/thesis_flowchart.pptx
+++ b/public/thesis_flowchart.pptx
@@ -254,7 +254,7 @@
           <a:p>
             <a:fld id="{C11135B2-2799-7344-BFFA-55E9A98D16BB}" type="datetimeFigureOut">
               <a:rPr lang="en-US" smtClean="0"/>
-              <a:t>4/17/24</a:t>
+              <a:t>5/20/24</a:t>
             </a:fld>
             <a:endParaRPr lang="en-US"/>
           </a:p>
@@ -424,7 +424,7 @@
           <a:p>
             <a:fld id="{C11135B2-2799-7344-BFFA-55E9A98D16BB}" type="datetimeFigureOut">
               <a:rPr lang="en-US" smtClean="0"/>
-              <a:t>4/17/24</a:t>
+              <a:t>5/20/24</a:t>
             </a:fld>
             <a:endParaRPr lang="en-US"/>
           </a:p>
@@ -604,7 +604,7 @@
           <a:p>
             <a:fld id="{C11135B2-2799-7344-BFFA-55E9A98D16BB}" type="datetimeFigureOut">
               <a:rPr lang="en-US" smtClean="0"/>
-              <a:t>4/17/24</a:t>
+              <a:t>5/20/24</a:t>
             </a:fld>
             <a:endParaRPr lang="en-US"/>
           </a:p>
@@ -774,7 +774,7 @@
           <a:p>
             <a:fld id="{C11135B2-2799-7344-BFFA-55E9A98D16BB}" type="datetimeFigureOut">
               <a:rPr lang="en-US" smtClean="0"/>
-              <a:t>4/17/24</a:t>
+              <a:t>5/20/24</a:t>
             </a:fld>
             <a:endParaRPr lang="en-US"/>
           </a:p>
@@ -1020,7 +1020,7 @@
           <a:p>
             <a:fld id="{C11135B2-2799-7344-BFFA-55E9A98D16BB}" type="datetimeFigureOut">
               <a:rPr lang="en-US" smtClean="0"/>
-              <a:t>4/17/24</a:t>
+              <a:t>5/20/24</a:t>
             </a:fld>
             <a:endParaRPr lang="en-US"/>
           </a:p>
@@ -1252,7 +1252,7 @@
           <a:p>
             <a:fld id="{C11135B2-2799-7344-BFFA-55E9A98D16BB}" type="datetimeFigureOut">
               <a:rPr lang="en-US" smtClean="0"/>
-              <a:t>4/17/24</a:t>
+              <a:t>5/20/24</a:t>
             </a:fld>
             <a:endParaRPr lang="en-US"/>
           </a:p>
@@ -1619,7 +1619,7 @@
           <a:p>
             <a:fld id="{C11135B2-2799-7344-BFFA-55E9A98D16BB}" type="datetimeFigureOut">
               <a:rPr lang="en-US" smtClean="0"/>
-              <a:t>4/17/24</a:t>
+              <a:t>5/20/24</a:t>
             </a:fld>
             <a:endParaRPr lang="en-US"/>
           </a:p>
@@ -1737,7 +1737,7 @@
           <a:p>
             <a:fld id="{C11135B2-2799-7344-BFFA-55E9A98D16BB}" type="datetimeFigureOut">
               <a:rPr lang="en-US" smtClean="0"/>
-              <a:t>4/17/24</a:t>
+              <a:t>5/20/24</a:t>
             </a:fld>
             <a:endParaRPr lang="en-US"/>
           </a:p>
@@ -1832,7 +1832,7 @@
           <a:p>
             <a:fld id="{C11135B2-2799-7344-BFFA-55E9A98D16BB}" type="datetimeFigureOut">
               <a:rPr lang="en-US" smtClean="0"/>
-              <a:t>4/17/24</a:t>
+              <a:t>5/20/24</a:t>
             </a:fld>
             <a:endParaRPr lang="en-US"/>
           </a:p>
@@ -2109,7 +2109,7 @@
           <a:p>
             <a:fld id="{C11135B2-2799-7344-BFFA-55E9A98D16BB}" type="datetimeFigureOut">
               <a:rPr lang="en-US" smtClean="0"/>
-              <a:t>4/17/24</a:t>
+              <a:t>5/20/24</a:t>
             </a:fld>
             <a:endParaRPr lang="en-US"/>
           </a:p>
@@ -2366,7 +2366,7 @@
           <a:p>
             <a:fld id="{C11135B2-2799-7344-BFFA-55E9A98D16BB}" type="datetimeFigureOut">
               <a:rPr lang="en-US" smtClean="0"/>
-              <a:t>4/17/24</a:t>
+              <a:t>5/20/24</a:t>
             </a:fld>
             <a:endParaRPr lang="en-US"/>
           </a:p>
@@ -2579,7 +2579,7 @@
           <a:p>
             <a:fld id="{C11135B2-2799-7344-BFFA-55E9A98D16BB}" type="datetimeFigureOut">
               <a:rPr lang="en-US" smtClean="0"/>
-              <a:t>4/17/24</a:t>
+              <a:t>5/20/24</a:t>
             </a:fld>
             <a:endParaRPr lang="en-US"/>
           </a:p>
@@ -2998,8 +2998,8 @@
         </p:nvSpPr>
         <p:spPr>
           <a:xfrm>
-            <a:off x="3467164" y="228457"/>
-            <a:ext cx="2209672" cy="295090"/>
+            <a:off x="3071678" y="248274"/>
+            <a:ext cx="3451857" cy="295090"/>
           </a:xfrm>
           <a:prstGeom prst="roundRect">
             <a:avLst>
@@ -3034,12 +3034,12 @@
           <a:p>
             <a:pPr algn="ctr"/>
             <a:r>
-              <a:rPr lang="en-US" sz="1600" dirty="0">
-                <a:solidFill>
-                  <a:schemeClr val="tx1"/>
-                </a:solidFill>
-              </a:rPr>
-              <a:t>HawkEye Evaluation</a:t>
+              <a:rPr lang="en-US" sz="1600" b="1" dirty="0">
+                <a:solidFill>
+                  <a:schemeClr val="tx1"/>
+                </a:solidFill>
+              </a:rPr>
+              <a:t>Satellite/In-Situ Matchup Analysis</a:t>
             </a:r>
           </a:p>
         </p:txBody>
@@ -3059,7 +3059,7 @@
         <p:spPr>
           <a:xfrm>
             <a:off x="1259114" y="803093"/>
-            <a:ext cx="2143503" cy="1052005"/>
+            <a:ext cx="2143503" cy="1105658"/>
           </a:xfrm>
           <a:prstGeom prst="roundRect">
             <a:avLst/>
@@ -3092,7 +3092,7 @@
           <a:p>
             <a:pPr algn="ctr"/>
             <a:r>
-              <a:rPr lang="en-US" sz="1000" u="sng" dirty="0">
+              <a:rPr lang="en-US" sz="1000" b="1" dirty="0">
                 <a:solidFill>
                   <a:schemeClr val="tx1"/>
                 </a:solidFill>
@@ -3194,7 +3194,7 @@
           <a:p>
             <a:pPr algn="ctr"/>
             <a:r>
-              <a:rPr lang="en-US" sz="1000" u="sng" dirty="0">
+              <a:rPr lang="en-US" sz="1000" b="1" dirty="0">
                 <a:solidFill>
                   <a:schemeClr val="tx1"/>
                 </a:solidFill>
@@ -3245,7 +3245,7 @@
         <p:spPr>
           <a:xfrm>
             <a:off x="2487707" y="2130453"/>
-            <a:ext cx="1945517" cy="901337"/>
+            <a:ext cx="1945517" cy="1024296"/>
           </a:xfrm>
           <a:prstGeom prst="roundRect">
             <a:avLst/>
@@ -3278,7 +3278,7 @@
           <a:p>
             <a:pPr algn="ctr"/>
             <a:r>
-              <a:rPr lang="en-US" sz="1000" u="sng" dirty="0">
+              <a:rPr lang="en-US" sz="1000" b="1" dirty="0">
                 <a:solidFill>
                   <a:schemeClr val="tx1"/>
                 </a:solidFill>
@@ -3332,8 +3332,8 @@
         </p:nvCxnSpPr>
         <p:spPr>
           <a:xfrm rot="5400000">
-            <a:off x="1593355" y="1395331"/>
-            <a:ext cx="277745" cy="1197279"/>
+            <a:off x="1620181" y="1422158"/>
+            <a:ext cx="224092" cy="1197279"/>
           </a:xfrm>
           <a:prstGeom prst="bentConnector3">
             <a:avLst>
@@ -3377,8 +3377,8 @@
         </p:nvCxnSpPr>
         <p:spPr>
           <a:xfrm rot="16200000" flipH="1">
-            <a:off x="2757989" y="1427975"/>
-            <a:ext cx="275355" cy="1129600"/>
+            <a:off x="2784815" y="1454802"/>
+            <a:ext cx="221702" cy="1129600"/>
           </a:xfrm>
           <a:prstGeom prst="bentConnector3">
             <a:avLst>
@@ -3452,7 +3452,7 @@
           <a:p>
             <a:pPr algn="ctr"/>
             <a:r>
-              <a:rPr lang="en-US" sz="1000" u="sng" dirty="0">
+              <a:rPr lang="en-US" sz="1000" b="1" dirty="0">
                 <a:solidFill>
                   <a:schemeClr val="tx1"/>
                 </a:solidFill>
@@ -3471,7 +3471,7 @@
                   <a:schemeClr val="tx1"/>
                 </a:solidFill>
               </a:rPr>
-              <a:t>Using the Acrobat equipped with a  chlorophyll fluorometer, conduct transect surveys to collect chlorophyll measurements at the mouth of the Masonboro Inlet.</a:t>
+              <a:t>Using the Acrobat equipped with a chlorophyll fluorometer, conduct transect surveys to collect chlorophyll measurements at the mouth of the Masonboro Inlet.</a:t>
             </a:r>
           </a:p>
         </p:txBody>
@@ -3524,7 +3524,7 @@
           <a:p>
             <a:pPr algn="ctr"/>
             <a:r>
-              <a:rPr lang="en-US" sz="1000" u="sng" dirty="0">
+              <a:rPr lang="en-US" sz="1000" b="1" dirty="0">
                 <a:solidFill>
                   <a:schemeClr val="tx1"/>
                 </a:solidFill>
@@ -3558,8 +3558,8 @@
         </p:nvSpPr>
         <p:spPr>
           <a:xfrm>
-            <a:off x="5364573" y="3411641"/>
-            <a:ext cx="3018879" cy="1787185"/>
+            <a:off x="5364573" y="3411642"/>
+            <a:ext cx="3018879" cy="1665188"/>
           </a:xfrm>
           <a:prstGeom prst="roundRect">
             <a:avLst/>
@@ -3592,7 +3592,7 @@
           <a:p>
             <a:pPr algn="ctr"/>
             <a:r>
-              <a:rPr lang="en-US" sz="1000" u="sng" dirty="0">
+              <a:rPr lang="en-US" sz="1000" b="1" dirty="0">
                 <a:solidFill>
                   <a:schemeClr val="tx1"/>
                 </a:solidFill>
@@ -3610,22 +3610,13 @@
               <a:t>Run the </a:t>
             </a:r>
             <a:r>
-              <a:rPr lang="en-US" sz="900" dirty="0" err="1">
+              <a:rPr lang="en-US" sz="900" dirty="0">
                 <a:solidFill>
                   <a:schemeClr val="tx1"/>
                 </a:solidFill>
                 <a:hlinkClick r:id="rId2"/>
               </a:rPr>
-              <a:t>preprocessing.py</a:t>
-            </a:r>
-            <a:r>
-              <a:rPr lang="en-US" sz="900" dirty="0">
-                <a:solidFill>
-                  <a:schemeClr val="tx1"/>
-                </a:solidFill>
-                <a:hlinkClick r:id="rId2"/>
-              </a:rPr>
-              <a:t> </a:t>
+              <a:t>preprocessing.py </a:t>
             </a:r>
             <a:r>
               <a:rPr lang="en-US" sz="900" dirty="0">
@@ -3691,17 +3682,6 @@
               </a:rPr>
               <a:t>Saved cleaned data into a processed, combined dataset and generate a quality control report.</a:t>
             </a:r>
-          </a:p>
-          <a:p>
-            <a:pPr marL="96439" indent="-96439">
-              <a:buFont typeface="Arial" panose="020B0604020202020204" pitchFamily="34" charset="0"/>
-              <a:buChar char="•"/>
-            </a:pPr>
-            <a:endParaRPr lang="en-US" sz="900" dirty="0">
-              <a:solidFill>
-                <a:schemeClr val="tx1"/>
-              </a:solidFill>
-            </a:endParaRPr>
           </a:p>
         </p:txBody>
       </p:sp>
@@ -3719,7 +3699,7 @@
         </p:nvSpPr>
         <p:spPr>
           <a:xfrm>
-            <a:off x="2865444" y="5599476"/>
+            <a:off x="530470" y="5660474"/>
             <a:ext cx="3208597" cy="1787185"/>
           </a:xfrm>
           <a:prstGeom prst="roundRect">
@@ -3753,7 +3733,7 @@
           <a:p>
             <a:pPr algn="ctr"/>
             <a:r>
-              <a:rPr lang="en-US" sz="1000" u="sng" dirty="0">
+              <a:rPr lang="en-US" sz="1000" b="1" dirty="0">
                 <a:solidFill>
                   <a:schemeClr val="tx1"/>
                 </a:solidFill>
@@ -3860,8 +3840,8 @@
         </p:nvSpPr>
         <p:spPr>
           <a:xfrm>
-            <a:off x="6389921" y="5599475"/>
-            <a:ext cx="2622274" cy="1602649"/>
+            <a:off x="5985933" y="5660475"/>
+            <a:ext cx="3101212" cy="1480652"/>
           </a:xfrm>
           <a:prstGeom prst="roundRect">
             <a:avLst/>
@@ -3894,12 +3874,12 @@
           <a:p>
             <a:pPr algn="ctr"/>
             <a:r>
-              <a:rPr lang="en-US" sz="1000" u="sng" dirty="0">
-                <a:solidFill>
-                  <a:schemeClr val="tx1"/>
-                </a:solidFill>
-              </a:rPr>
-              <a:t>Visualize 2D Data Gradients Along Transects</a:t>
+              <a:rPr lang="en-US" sz="1000" b="1" dirty="0">
+                <a:solidFill>
+                  <a:schemeClr val="tx1"/>
+                </a:solidFill>
+              </a:rPr>
+              <a:t>Visualize Data in 2D Gradients Along Transects</a:t>
             </a:r>
           </a:p>
           <a:p>
@@ -4062,8 +4042,8 @@
         </p:nvCxnSpPr>
         <p:spPr>
           <a:xfrm rot="5400000">
-            <a:off x="5471553" y="4197016"/>
-            <a:ext cx="400650" cy="2404270"/>
+            <a:off x="4212569" y="2999030"/>
+            <a:ext cx="583644" cy="4739244"/>
           </a:xfrm>
           <a:prstGeom prst="bentConnector3">
             <a:avLst>
@@ -4107,8 +4087,8 @@
         </p:nvCxnSpPr>
         <p:spPr>
           <a:xfrm rot="16200000" flipH="1">
-            <a:off x="7087211" y="4985627"/>
-            <a:ext cx="400649" cy="827045"/>
+            <a:off x="6913454" y="5037389"/>
+            <a:ext cx="583645" cy="662526"/>
           </a:xfrm>
           <a:prstGeom prst="bentConnector3">
             <a:avLst>
@@ -4153,7 +4133,7 @@
         <p:spPr>
           <a:xfrm>
             <a:off x="6874012" y="3182587"/>
-            <a:ext cx="1" cy="229054"/>
+            <a:ext cx="1" cy="229055"/>
           </a:xfrm>
           <a:prstGeom prst="straightConnector1">
             <a:avLst/>
@@ -4191,7 +4171,7 @@
         </p:nvSpPr>
         <p:spPr>
           <a:xfrm>
-            <a:off x="2182350" y="3266137"/>
+            <a:off x="2182350" y="3365883"/>
             <a:ext cx="2556229" cy="1434556"/>
           </a:xfrm>
           <a:prstGeom prst="roundRect">
@@ -4225,7 +4205,7 @@
           <a:p>
             <a:pPr algn="ctr"/>
             <a:r>
-              <a:rPr lang="en-US" sz="1000" u="sng" dirty="0">
+              <a:rPr lang="en-US" sz="1000" b="1" dirty="0">
                 <a:solidFill>
                   <a:schemeClr val="tx1"/>
                 </a:solidFill>
@@ -4249,7 +4229,7 @@
                 </a:solidFill>
                 <a:hlinkClick r:id="rId5"/>
               </a:rPr>
-              <a:t>masonboro_mosaic.py </a:t>
+              <a:t>sat_mosaic.py </a:t>
             </a:r>
             <a:r>
               <a:rPr lang="en-US" sz="900" dirty="0">
@@ -4271,7 +4251,7 @@
                   <a:schemeClr val="tx1"/>
                 </a:solidFill>
               </a:rPr>
-              <a:t> Load in and overlay in-situ transect  paths onto L3 chlorophyll satellite imagery.</a:t>
+              <a:t> Load in and overlay in-situ transect paths onto L3 chlorophyll satellite imagery.</a:t>
             </a:r>
           </a:p>
           <a:p>
@@ -4322,8 +4302,8 @@
         </p:nvCxnSpPr>
         <p:spPr>
           <a:xfrm flipH="1">
-            <a:off x="3460465" y="3031790"/>
-            <a:ext cx="1" cy="234347"/>
+            <a:off x="3460465" y="3154749"/>
+            <a:ext cx="1" cy="211134"/>
           </a:xfrm>
           <a:prstGeom prst="straightConnector1">
             <a:avLst/>
@@ -4361,7 +4341,7 @@
         </p:nvSpPr>
         <p:spPr>
           <a:xfrm>
-            <a:off x="2972444" y="7620302"/>
+            <a:off x="637470" y="7699878"/>
             <a:ext cx="2994596" cy="1669863"/>
           </a:xfrm>
           <a:prstGeom prst="roundRect">
@@ -4395,7 +4375,7 @@
           <a:p>
             <a:pPr algn="ctr"/>
             <a:r>
-              <a:rPr lang="en-US" sz="1000" u="sng" dirty="0">
+              <a:rPr lang="en-US" sz="1000" b="1" dirty="0">
                 <a:solidFill>
                   <a:schemeClr val="tx1"/>
                 </a:solidFill>
@@ -4413,22 +4393,13 @@
               <a:t>Run the </a:t>
             </a:r>
             <a:r>
-              <a:rPr lang="en-US" sz="900" dirty="0" err="1">
+              <a:rPr lang="en-US" sz="900" dirty="0">
                 <a:solidFill>
                   <a:schemeClr val="tx1"/>
                 </a:solidFill>
                 <a:hlinkClick r:id="rId6"/>
               </a:rPr>
-              <a:t>aggregate_satsitu.py</a:t>
-            </a:r>
-            <a:r>
-              <a:rPr lang="en-US" sz="900" dirty="0">
-                <a:solidFill>
-                  <a:schemeClr val="tx1"/>
-                </a:solidFill>
-                <a:hlinkClick r:id="rId6"/>
-              </a:rPr>
-              <a:t> </a:t>
+              <a:t>aggregate_satsitu.py </a:t>
             </a:r>
             <a:r>
               <a:rPr lang="en-US" sz="900" dirty="0">
@@ -4514,12 +4485,15 @@
           <p:nvPr/>
         </p:nvCxnSpPr>
         <p:spPr>
-          <a:xfrm rot="16200000" flipH="1">
-            <a:off x="175381" y="3803006"/>
-            <a:ext cx="3648268" cy="1731857"/>
+          <a:xfrm rot="5400000">
+            <a:off x="-1022604" y="4397876"/>
+            <a:ext cx="3709266" cy="603117"/>
           </a:xfrm>
-          <a:prstGeom prst="bentConnector2">
-            <a:avLst/>
+          <a:prstGeom prst="bentConnector4">
+            <a:avLst>
+              <a:gd name="adj1" fmla="val 37955"/>
+              <a:gd name="adj2" fmla="val 137903"/>
+            </a:avLst>
           </a:prstGeom>
           <a:ln>
             <a:tailEnd type="triangle"/>
@@ -4554,8 +4528,8 @@
         </p:nvSpPr>
         <p:spPr>
           <a:xfrm>
-            <a:off x="2962882" y="9585770"/>
-            <a:ext cx="3013719" cy="2407920"/>
+            <a:off x="3544715" y="9748935"/>
+            <a:ext cx="3013719" cy="2409198"/>
           </a:xfrm>
           <a:prstGeom prst="roundRect">
             <a:avLst/>
@@ -4588,12 +4562,12 @@
           <a:p>
             <a:pPr algn="ctr"/>
             <a:r>
-              <a:rPr lang="en-US" sz="1000" u="sng" dirty="0">
-                <a:solidFill>
-                  <a:schemeClr val="tx1"/>
-                </a:solidFill>
-              </a:rPr>
-              <a:t>Evaluate Satellite Data Accuracy</a:t>
+              <a:rPr lang="en-US" sz="1000" b="1" dirty="0">
+                <a:solidFill>
+                  <a:schemeClr val="tx1"/>
+                </a:solidFill>
+              </a:rPr>
+              <a:t>Evaluate &amp; Visualize Satellite Data Accuracy</a:t>
             </a:r>
           </a:p>
           <a:p>
@@ -4612,7 +4586,7 @@
                 </a:solidFill>
                 <a:hlinkClick r:id="rId7"/>
               </a:rPr>
-              <a:t>stats.py</a:t>
+              <a:t>satsitu_stats-histogram.py</a:t>
             </a:r>
             <a:r>
               <a:rPr lang="en-US" sz="900" dirty="0">
@@ -4713,7 +4687,7 @@
                   <a:schemeClr val="tx1"/>
                 </a:solidFill>
               </a:rPr>
-              <a:t>Output comprehensive statistics dataset and plots for each depth range and pixel window size configuration.</a:t>
+              <a:t>Output comprehensive statistics dataset and histogram plots for each depth range and pixel window size configuration.</a:t>
             </a:r>
           </a:p>
         </p:txBody>
@@ -4735,8 +4709,8 @@
         </p:nvCxnSpPr>
         <p:spPr>
           <a:xfrm flipH="1">
-            <a:off x="4469742" y="7386661"/>
-            <a:ext cx="1" cy="233641"/>
+            <a:off x="2134768" y="7447659"/>
+            <a:ext cx="1" cy="252219"/>
           </a:xfrm>
           <a:prstGeom prst="straightConnector1">
             <a:avLst/>
@@ -4760,48 +4734,6 @@
           </a:fontRef>
         </p:style>
       </p:cxnSp>
-      <p:cxnSp>
-        <p:nvCxnSpPr>
-          <p:cNvPr id="283" name="Straight Arrow Connector 282">
-            <a:extLst>
-              <a:ext uri="{FF2B5EF4-FFF2-40B4-BE49-F238E27FC236}">
-                <a16:creationId xmlns:a16="http://schemas.microsoft.com/office/drawing/2014/main" id="{06B07E4E-BA38-FD0D-EAB2-4C78010FDA33}"/>
-              </a:ext>
-            </a:extLst>
-          </p:cNvPr>
-          <p:cNvCxnSpPr>
-            <a:stCxn id="241" idx="2"/>
-            <a:endCxn id="264" idx="0"/>
-          </p:cNvCxnSpPr>
-          <p:nvPr/>
-        </p:nvCxnSpPr>
-        <p:spPr>
-          <a:xfrm>
-            <a:off x="4469742" y="9290165"/>
-            <a:ext cx="0" cy="295605"/>
-          </a:xfrm>
-          <a:prstGeom prst="straightConnector1">
-            <a:avLst/>
-          </a:prstGeom>
-          <a:ln>
-            <a:tailEnd type="triangle"/>
-          </a:ln>
-        </p:spPr>
-        <p:style>
-          <a:lnRef idx="2">
-            <a:schemeClr val="accent1"/>
-          </a:lnRef>
-          <a:fillRef idx="0">
-            <a:schemeClr val="accent1"/>
-          </a:fillRef>
-          <a:effectRef idx="1">
-            <a:schemeClr val="accent1"/>
-          </a:effectRef>
-          <a:fontRef idx="minor">
-            <a:schemeClr val="tx1"/>
-          </a:fontRef>
-        </p:style>
-      </p:cxnSp>
       <p:sp>
         <p:nvSpPr>
           <p:cNvPr id="378" name="Rounded Rectangle 377">
@@ -4816,8 +4748,8 @@
         </p:nvSpPr>
         <p:spPr>
           <a:xfrm>
-            <a:off x="6389921" y="7505330"/>
-            <a:ext cx="2622274" cy="1350554"/>
+            <a:off x="6808056" y="7684638"/>
+            <a:ext cx="2279089" cy="1593090"/>
           </a:xfrm>
           <a:prstGeom prst="roundRect">
             <a:avLst/>
@@ -4850,12 +4782,12 @@
           <a:p>
             <a:pPr algn="ctr"/>
             <a:r>
-              <a:rPr lang="en-US" sz="1000" u="sng" dirty="0">
-                <a:solidFill>
-                  <a:schemeClr val="tx1"/>
-                </a:solidFill>
-              </a:rPr>
-              <a:t>Visualize 2D Data Gradients Along Transects</a:t>
+              <a:rPr lang="en-US" sz="1000" b="1" dirty="0">
+                <a:solidFill>
+                  <a:schemeClr val="tx1"/>
+                </a:solidFill>
+              </a:rPr>
+              <a:t>Visualize Data in 3D Gradients</a:t>
             </a:r>
           </a:p>
           <a:p>
@@ -4886,7 +4818,7 @@
             </a:r>
           </a:p>
           <a:p>
-            <a:pPr marL="96439" indent="-96439">
+            <a:pPr marL="171450" indent="-171450">
               <a:buFont typeface="Arial" panose="020B0604020202020204" pitchFamily="34" charset="0"/>
               <a:buChar char="•"/>
             </a:pPr>
@@ -4900,7 +4832,34 @@
             </a:r>
           </a:p>
           <a:p>
-            <a:pPr marL="96439" indent="-96439">
+            <a:r>
+              <a:rPr lang="en-US" sz="900" dirty="0">
+                <a:solidFill>
+                  <a:schemeClr val="tx1"/>
+                </a:solidFill>
+              </a:rPr>
+              <a:t>Run the </a:t>
+            </a:r>
+            <a:r>
+              <a:rPr lang="en-US" sz="900" dirty="0">
+                <a:solidFill>
+                  <a:schemeClr val="tx1"/>
+                </a:solidFill>
+                <a:hlinkClick r:id="rId9"/>
+              </a:rPr>
+              <a:t>3D_contours_chl.py </a:t>
+            </a:r>
+            <a:r>
+              <a:rPr lang="en-US" sz="900" dirty="0">
+                <a:solidFill>
+                  <a:schemeClr val="tx1"/>
+                </a:solidFill>
+              </a:rPr>
+              <a:t>script to:</a:t>
+            </a:r>
+          </a:p>
+          <a:p>
+            <a:pPr marL="171450" indent="-171450">
               <a:buFont typeface="Arial" panose="020B0604020202020204" pitchFamily="34" charset="0"/>
               <a:buChar char="•"/>
             </a:pPr>
@@ -4910,53 +4869,11 @@
                   <a:schemeClr val="tx1"/>
                 </a:solidFill>
               </a:rPr>
-              <a:t>Optionally, compile these images into an animated GIF to show progression across transects for easier viewing.</a:t>
-            </a:r>
-          </a:p>
-        </p:txBody>
-      </p:sp>
-      <p:cxnSp>
-        <p:nvCxnSpPr>
-          <p:cNvPr id="382" name="Straight Arrow Connector 381">
-            <a:extLst>
-              <a:ext uri="{FF2B5EF4-FFF2-40B4-BE49-F238E27FC236}">
-                <a16:creationId xmlns:a16="http://schemas.microsoft.com/office/drawing/2014/main" id="{1A50D395-550A-2FEC-3574-113347AFAAE1}"/>
-              </a:ext>
-            </a:extLst>
-          </p:cNvPr>
-          <p:cNvCxnSpPr>
-            <a:stCxn id="21" idx="2"/>
-            <a:endCxn id="378" idx="0"/>
-          </p:cNvCxnSpPr>
-          <p:nvPr/>
-        </p:nvCxnSpPr>
-        <p:spPr>
-          <a:xfrm>
-            <a:off x="7701058" y="7202124"/>
-            <a:ext cx="0" cy="303206"/>
-          </a:xfrm>
-          <a:prstGeom prst="straightConnector1">
-            <a:avLst/>
-          </a:prstGeom>
-          <a:ln>
-            <a:tailEnd type="triangle"/>
-          </a:ln>
-        </p:spPr>
-        <p:style>
-          <a:lnRef idx="2">
-            <a:schemeClr val="accent1"/>
-          </a:lnRef>
-          <a:fillRef idx="0">
-            <a:schemeClr val="accent1"/>
-          </a:fillRef>
-          <a:effectRef idx="1">
-            <a:schemeClr val="accent1"/>
-          </a:effectRef>
-          <a:fontRef idx="minor">
-            <a:schemeClr val="tx1"/>
-          </a:fontRef>
-        </p:style>
-      </p:cxnSp>
+              <a:t>This separate script was created to handle the logarithmic nature of Chl concentrations.</a:t>
+            </a:r>
+          </a:p>
+        </p:txBody>
+      </p:sp>
       <p:sp>
         <p:nvSpPr>
           <p:cNvPr id="390" name="Rounded Rectangle 389">
@@ -4971,7 +4888,7 @@
         </p:nvSpPr>
         <p:spPr>
           <a:xfrm>
-            <a:off x="159894" y="10052554"/>
+            <a:off x="265846" y="10213880"/>
             <a:ext cx="2528981" cy="1478030"/>
           </a:xfrm>
           <a:prstGeom prst="roundRect">
@@ -5005,12 +4922,39 @@
           <a:p>
             <a:pPr algn="ctr"/>
             <a:r>
-              <a:rPr lang="en-US" sz="1000" u="sng" dirty="0">
+              <a:rPr lang="en-US" sz="1000" b="1" dirty="0">
                 <a:solidFill>
                   <a:schemeClr val="tx1"/>
                 </a:solidFill>
               </a:rPr>
               <a:t>Evaluate Satellite Data Accuracy</a:t>
+            </a:r>
+          </a:p>
+          <a:p>
+            <a:r>
+              <a:rPr lang="en-US" sz="1000" dirty="0">
+                <a:solidFill>
+                  <a:schemeClr val="tx1"/>
+                </a:solidFill>
+              </a:rPr>
+              <a:t>Run the </a:t>
+            </a:r>
+            <a:r>
+              <a:rPr lang="en-US" sz="1000" dirty="0">
+                <a:solidFill>
+                  <a:schemeClr val="tx1"/>
+                </a:solidFill>
+                <a:hlinkClick r:id="rId10"/>
+              </a:rPr>
+              <a:t>satsitu-bars.py </a:t>
+            </a:r>
+            <a:r>
+              <a:rPr lang="en-US" sz="1000" dirty="0">
+                <a:solidFill>
+                  <a:schemeClr val="tx1"/>
+                </a:solidFill>
+              </a:rPr>
+              <a:t>to: </a:t>
             </a:r>
           </a:p>
           <a:p>
@@ -5038,7 +4982,7 @@
                   <a:schemeClr val="tx1"/>
                 </a:solidFill>
               </a:rPr>
-              <a:t>Generate plots that compare the statistical metrics across all sensor types, depth ranges, and pixel window size combinations.</a:t>
+              <a:t>Generate bar plots that compare the statistical metrics across all sensor types, depth ranges, and pixel window size combinations.</a:t>
             </a:r>
           </a:p>
         </p:txBody>
@@ -5053,15 +4997,16 @@
             </a:extLst>
           </p:cNvPr>
           <p:cNvCxnSpPr>
+            <a:cxnSpLocks/>
             <a:stCxn id="264" idx="1"/>
             <a:endCxn id="390" idx="3"/>
           </p:cNvCxnSpPr>
           <p:nvPr/>
         </p:nvCxnSpPr>
         <p:spPr>
-          <a:xfrm flipH="1">
-            <a:off x="2688875" y="10789730"/>
-            <a:ext cx="274007" cy="1839"/>
+          <a:xfrm flipH="1" flipV="1">
+            <a:off x="2794827" y="10952895"/>
+            <a:ext cx="749888" cy="639"/>
           </a:xfrm>
           <a:prstGeom prst="straightConnector1">
             <a:avLst/>
@@ -5095,6 +5040,7 @@
             </a:extLst>
           </p:cNvPr>
           <p:cNvCxnSpPr>
+            <a:cxnSpLocks/>
             <a:stCxn id="18" idx="1"/>
             <a:endCxn id="212" idx="3"/>
           </p:cNvCxnSpPr>
@@ -5102,8 +5048,250 @@
         </p:nvCxnSpPr>
         <p:spPr>
           <a:xfrm rot="10800000">
-            <a:off x="4738579" y="3983416"/>
-            <a:ext cx="625994" cy="321819"/>
+            <a:off x="4738579" y="4083162"/>
+            <a:ext cx="625994" cy="161075"/>
+          </a:xfrm>
+          <a:prstGeom prst="bentConnector3">
+            <a:avLst/>
+          </a:prstGeom>
+          <a:ln>
+            <a:tailEnd type="triangle"/>
+          </a:ln>
+        </p:spPr>
+        <p:style>
+          <a:lnRef idx="2">
+            <a:schemeClr val="accent1"/>
+          </a:lnRef>
+          <a:fillRef idx="0">
+            <a:schemeClr val="accent1"/>
+          </a:fillRef>
+          <a:effectRef idx="1">
+            <a:schemeClr val="accent1"/>
+          </a:effectRef>
+          <a:fontRef idx="minor">
+            <a:schemeClr val="tx1"/>
+          </a:fontRef>
+        </p:style>
+      </p:cxnSp>
+      <p:sp>
+        <p:nvSpPr>
+          <p:cNvPr id="2" name="Rounded Rectangle 1">
+            <a:extLst>
+              <a:ext uri="{FF2B5EF4-FFF2-40B4-BE49-F238E27FC236}">
+                <a16:creationId xmlns:a16="http://schemas.microsoft.com/office/drawing/2014/main" id="{70BF4864-B527-404C-2056-70C453FCFDA8}"/>
+              </a:ext>
+            </a:extLst>
+          </p:cNvPr>
+          <p:cNvSpPr/>
+          <p:nvPr/>
+        </p:nvSpPr>
+        <p:spPr>
+          <a:xfrm>
+            <a:off x="3975069" y="7684638"/>
+            <a:ext cx="2564764" cy="954240"/>
+          </a:xfrm>
+          <a:prstGeom prst="roundRect">
+            <a:avLst/>
+          </a:prstGeom>
+          <a:solidFill>
+            <a:schemeClr val="bg1">
+              <a:lumMod val="65000"/>
+            </a:schemeClr>
+          </a:solidFill>
+        </p:spPr>
+        <p:style>
+          <a:lnRef idx="2">
+            <a:schemeClr val="accent1">
+              <a:shade val="15000"/>
+            </a:schemeClr>
+          </a:lnRef>
+          <a:fillRef idx="1">
+            <a:schemeClr val="accent1"/>
+          </a:fillRef>
+          <a:effectRef idx="0">
+            <a:schemeClr val="accent1"/>
+          </a:effectRef>
+          <a:fontRef idx="minor">
+            <a:schemeClr val="lt1"/>
+          </a:fontRef>
+        </p:style>
+        <p:txBody>
+          <a:bodyPr rtlCol="0" anchor="ctr"/>
+          <a:lstStyle/>
+          <a:p>
+            <a:pPr algn="ctr"/>
+            <a:r>
+              <a:rPr lang="en-US" sz="1000" b="1" dirty="0">
+                <a:solidFill>
+                  <a:schemeClr val="tx1"/>
+                </a:solidFill>
+              </a:rPr>
+              <a:t>Visualize Data Across Depth Intervals</a:t>
+            </a:r>
+          </a:p>
+          <a:p>
+            <a:r>
+              <a:rPr lang="en-US" sz="900" dirty="0">
+                <a:solidFill>
+                  <a:schemeClr val="tx1"/>
+                </a:solidFill>
+              </a:rPr>
+              <a:t>Run the </a:t>
+            </a:r>
+            <a:r>
+              <a:rPr lang="en-US" sz="900" dirty="0">
+                <a:solidFill>
+                  <a:schemeClr val="tx1"/>
+                </a:solidFill>
+                <a:hlinkClick r:id="rId11"/>
+              </a:rPr>
+              <a:t>depth_analysis.py </a:t>
+            </a:r>
+            <a:r>
+              <a:rPr lang="en-US" sz="900" dirty="0">
+                <a:solidFill>
+                  <a:schemeClr val="tx1"/>
+                </a:solidFill>
+              </a:rPr>
+              <a:t>script to:</a:t>
+            </a:r>
+          </a:p>
+          <a:p>
+            <a:pPr marL="171450" indent="-171450">
+              <a:buFont typeface="Arial" panose="020B0604020202020204" pitchFamily="34" charset="0"/>
+              <a:buChar char="•"/>
+            </a:pPr>
+            <a:r>
+              <a:rPr lang="en-US" sz="900" dirty="0">
+                <a:solidFill>
+                  <a:schemeClr val="tx1"/>
+                </a:solidFill>
+              </a:rPr>
+              <a:t>Generate depth distribution box plots.</a:t>
+            </a:r>
+          </a:p>
+          <a:p>
+            <a:pPr marL="171450" indent="-171450">
+              <a:buFont typeface="Arial" panose="020B0604020202020204" pitchFamily="34" charset="0"/>
+              <a:buChar char="•"/>
+            </a:pPr>
+            <a:r>
+              <a:rPr lang="en-US" sz="900" dirty="0">
+                <a:solidFill>
+                  <a:schemeClr val="tx1"/>
+                </a:solidFill>
+              </a:rPr>
+              <a:t>Calculate average oceanic parameters by depth.</a:t>
+            </a:r>
+          </a:p>
+        </p:txBody>
+      </p:sp>
+      <p:cxnSp>
+        <p:nvCxnSpPr>
+          <p:cNvPr id="33" name="Elbow Connector 32">
+            <a:extLst>
+              <a:ext uri="{FF2B5EF4-FFF2-40B4-BE49-F238E27FC236}">
+                <a16:creationId xmlns:a16="http://schemas.microsoft.com/office/drawing/2014/main" id="{F4AA76E1-7330-2040-F467-BDB96D803410}"/>
+              </a:ext>
+            </a:extLst>
+          </p:cNvPr>
+          <p:cNvCxnSpPr>
+            <a:cxnSpLocks/>
+            <a:stCxn id="21" idx="2"/>
+            <a:endCxn id="378" idx="0"/>
+          </p:cNvCxnSpPr>
+          <p:nvPr/>
+        </p:nvCxnSpPr>
+        <p:spPr>
+          <a:xfrm rot="16200000" flipH="1">
+            <a:off x="7470315" y="7207351"/>
+            <a:ext cx="543511" cy="411062"/>
+          </a:xfrm>
+          <a:prstGeom prst="bentConnector3">
+            <a:avLst/>
+          </a:prstGeom>
+          <a:ln>
+            <a:tailEnd type="triangle"/>
+          </a:ln>
+        </p:spPr>
+        <p:style>
+          <a:lnRef idx="2">
+            <a:schemeClr val="accent1"/>
+          </a:lnRef>
+          <a:fillRef idx="0">
+            <a:schemeClr val="accent1"/>
+          </a:fillRef>
+          <a:effectRef idx="1">
+            <a:schemeClr val="accent1"/>
+          </a:effectRef>
+          <a:fontRef idx="minor">
+            <a:schemeClr val="tx1"/>
+          </a:fontRef>
+        </p:style>
+      </p:cxnSp>
+      <p:cxnSp>
+        <p:nvCxnSpPr>
+          <p:cNvPr id="41" name="Elbow Connector 40">
+            <a:extLst>
+              <a:ext uri="{FF2B5EF4-FFF2-40B4-BE49-F238E27FC236}">
+                <a16:creationId xmlns:a16="http://schemas.microsoft.com/office/drawing/2014/main" id="{867DB93C-5843-2E8C-4AC3-222A5BCCD4C8}"/>
+              </a:ext>
+            </a:extLst>
+          </p:cNvPr>
+          <p:cNvCxnSpPr>
+            <a:cxnSpLocks/>
+            <a:stCxn id="241" idx="2"/>
+            <a:endCxn id="264" idx="0"/>
+          </p:cNvCxnSpPr>
+          <p:nvPr/>
+        </p:nvCxnSpPr>
+        <p:spPr>
+          <a:xfrm rot="16200000" flipH="1">
+            <a:off x="3403574" y="8100934"/>
+            <a:ext cx="379194" cy="2916807"/>
+          </a:xfrm>
+          <a:prstGeom prst="bentConnector3">
+            <a:avLst/>
+          </a:prstGeom>
+          <a:ln>
+            <a:tailEnd type="triangle"/>
+          </a:ln>
+        </p:spPr>
+        <p:style>
+          <a:lnRef idx="2">
+            <a:schemeClr val="accent1"/>
+          </a:lnRef>
+          <a:fillRef idx="0">
+            <a:schemeClr val="accent1"/>
+          </a:fillRef>
+          <a:effectRef idx="1">
+            <a:schemeClr val="accent1"/>
+          </a:effectRef>
+          <a:fontRef idx="minor">
+            <a:schemeClr val="tx1"/>
+          </a:fontRef>
+        </p:style>
+      </p:cxnSp>
+      <p:cxnSp>
+        <p:nvCxnSpPr>
+          <p:cNvPr id="59" name="Elbow Connector 58">
+            <a:extLst>
+              <a:ext uri="{FF2B5EF4-FFF2-40B4-BE49-F238E27FC236}">
+                <a16:creationId xmlns:a16="http://schemas.microsoft.com/office/drawing/2014/main" id="{737646DE-EF05-D5DB-8F2F-90FDFEA48CBE}"/>
+              </a:ext>
+            </a:extLst>
+          </p:cNvPr>
+          <p:cNvCxnSpPr>
+            <a:cxnSpLocks/>
+            <a:stCxn id="21" idx="2"/>
+            <a:endCxn id="2" idx="0"/>
+          </p:cNvCxnSpPr>
+          <p:nvPr/>
+        </p:nvCxnSpPr>
+        <p:spPr>
+          <a:xfrm rot="5400000">
+            <a:off x="6125240" y="6273338"/>
+            <a:ext cx="543511" cy="2279088"/>
           </a:xfrm>
           <a:prstGeom prst="bentConnector3">
             <a:avLst/>
@@ -5453,4 +5641,10 @@
     </a:ext>
   </a:extLst>
 </a:theme>
+</file>
+
+<file path=docMetadata/LabelInfo.xml><?xml version="1.0" encoding="utf-8"?>
+<clbl:labelList xmlns:clbl="http://schemas.microsoft.com/office/2020/mipLabelMetadata">
+  <clbl:label id="{4e32bd2a-1ccd-49c1-a814-de8553946415}" enabled="1" method="Standard" siteId="{22136781-9753-4c75-af28-68a078871ebf}" contentBits="0" removed="0"/>
+</clbl:labelList>
 </file>
--- a/public/thesis_flowchart.pptx
+++ b/public/thesis_flowchart.pptx
@@ -254,7 +254,7 @@
           <a:p>
             <a:fld id="{C11135B2-2799-7344-BFFA-55E9A98D16BB}" type="datetimeFigureOut">
               <a:rPr lang="en-US" smtClean="0"/>
-              <a:t>5/20/24</a:t>
+              <a:t>6/17/24</a:t>
             </a:fld>
             <a:endParaRPr lang="en-US"/>
           </a:p>
@@ -424,7 +424,7 @@
           <a:p>
             <a:fld id="{C11135B2-2799-7344-BFFA-55E9A98D16BB}" type="datetimeFigureOut">
               <a:rPr lang="en-US" smtClean="0"/>
-              <a:t>5/20/24</a:t>
+              <a:t>6/17/24</a:t>
             </a:fld>
             <a:endParaRPr lang="en-US"/>
           </a:p>
@@ -604,7 +604,7 @@
           <a:p>
             <a:fld id="{C11135B2-2799-7344-BFFA-55E9A98D16BB}" type="datetimeFigureOut">
               <a:rPr lang="en-US" smtClean="0"/>
-              <a:t>5/20/24</a:t>
+              <a:t>6/17/24</a:t>
             </a:fld>
             <a:endParaRPr lang="en-US"/>
           </a:p>
@@ -774,7 +774,7 @@
           <a:p>
             <a:fld id="{C11135B2-2799-7344-BFFA-55E9A98D16BB}" type="datetimeFigureOut">
               <a:rPr lang="en-US" smtClean="0"/>
-              <a:t>5/20/24</a:t>
+              <a:t>6/17/24</a:t>
             </a:fld>
             <a:endParaRPr lang="en-US"/>
           </a:p>
@@ -1020,7 +1020,7 @@
           <a:p>
             <a:fld id="{C11135B2-2799-7344-BFFA-55E9A98D16BB}" type="datetimeFigureOut">
               <a:rPr lang="en-US" smtClean="0"/>
-              <a:t>5/20/24</a:t>
+              <a:t>6/17/24</a:t>
             </a:fld>
             <a:endParaRPr lang="en-US"/>
           </a:p>
@@ -1252,7 +1252,7 @@
           <a:p>
             <a:fld id="{C11135B2-2799-7344-BFFA-55E9A98D16BB}" type="datetimeFigureOut">
               <a:rPr lang="en-US" smtClean="0"/>
-              <a:t>5/20/24</a:t>
+              <a:t>6/17/24</a:t>
             </a:fld>
             <a:endParaRPr lang="en-US"/>
           </a:p>
@@ -1619,7 +1619,7 @@
           <a:p>
             <a:fld id="{C11135B2-2799-7344-BFFA-55E9A98D16BB}" type="datetimeFigureOut">
               <a:rPr lang="en-US" smtClean="0"/>
-              <a:t>5/20/24</a:t>
+              <a:t>6/17/24</a:t>
             </a:fld>
             <a:endParaRPr lang="en-US"/>
           </a:p>
@@ -1737,7 +1737,7 @@
           <a:p>
             <a:fld id="{C11135B2-2799-7344-BFFA-55E9A98D16BB}" type="datetimeFigureOut">
               <a:rPr lang="en-US" smtClean="0"/>
-              <a:t>5/20/24</a:t>
+              <a:t>6/17/24</a:t>
             </a:fld>
             <a:endParaRPr lang="en-US"/>
           </a:p>
@@ -1832,7 +1832,7 @@
           <a:p>
             <a:fld id="{C11135B2-2799-7344-BFFA-55E9A98D16BB}" type="datetimeFigureOut">
               <a:rPr lang="en-US" smtClean="0"/>
-              <a:t>5/20/24</a:t>
+              <a:t>6/17/24</a:t>
             </a:fld>
             <a:endParaRPr lang="en-US"/>
           </a:p>
@@ -2109,7 +2109,7 @@
           <a:p>
             <a:fld id="{C11135B2-2799-7344-BFFA-55E9A98D16BB}" type="datetimeFigureOut">
               <a:rPr lang="en-US" smtClean="0"/>
-              <a:t>5/20/24</a:t>
+              <a:t>6/17/24</a:t>
             </a:fld>
             <a:endParaRPr lang="en-US"/>
           </a:p>
@@ -2366,7 +2366,7 @@
           <a:p>
             <a:fld id="{C11135B2-2799-7344-BFFA-55E9A98D16BB}" type="datetimeFigureOut">
               <a:rPr lang="en-US" smtClean="0"/>
-              <a:t>5/20/24</a:t>
+              <a:t>6/17/24</a:t>
             </a:fld>
             <a:endParaRPr lang="en-US"/>
           </a:p>
@@ -2579,7 +2579,7 @@
           <a:p>
             <a:fld id="{C11135B2-2799-7344-BFFA-55E9A98D16BB}" type="datetimeFigureOut">
               <a:rPr lang="en-US" smtClean="0"/>
-              <a:t>5/20/24</a:t>
+              <a:t>6/17/24</a:t>
             </a:fld>
             <a:endParaRPr lang="en-US"/>
           </a:p>
@@ -4749,7 +4749,7 @@
         <p:spPr>
           <a:xfrm>
             <a:off x="6808056" y="7684638"/>
-            <a:ext cx="2279089" cy="1593090"/>
+            <a:ext cx="2279089" cy="954240"/>
           </a:xfrm>
           <a:prstGeom prst="roundRect">
             <a:avLst/>
@@ -4829,47 +4829,6 @@
                 </a:solidFill>
               </a:rPr>
               <a:t>Do the same as the 2D_contour script, with an additional distance-from-shore calculation for the x axis.</a:t>
-            </a:r>
-          </a:p>
-          <a:p>
-            <a:r>
-              <a:rPr lang="en-US" sz="900" dirty="0">
-                <a:solidFill>
-                  <a:schemeClr val="tx1"/>
-                </a:solidFill>
-              </a:rPr>
-              <a:t>Run the </a:t>
-            </a:r>
-            <a:r>
-              <a:rPr lang="en-US" sz="900" dirty="0">
-                <a:solidFill>
-                  <a:schemeClr val="tx1"/>
-                </a:solidFill>
-                <a:hlinkClick r:id="rId9"/>
-              </a:rPr>
-              <a:t>3D_contours_chl.py </a:t>
-            </a:r>
-            <a:r>
-              <a:rPr lang="en-US" sz="900" dirty="0">
-                <a:solidFill>
-                  <a:schemeClr val="tx1"/>
-                </a:solidFill>
-              </a:rPr>
-              <a:t>script to:</a:t>
-            </a:r>
-          </a:p>
-          <a:p>
-            <a:pPr marL="171450" indent="-171450">
-              <a:buFont typeface="Arial" panose="020B0604020202020204" pitchFamily="34" charset="0"/>
-              <a:buChar char="•"/>
-            </a:pPr>
-            <a:r>
-              <a:rPr lang="en-US" sz="900" dirty="0">
-                <a:solidFill>
-                  <a:schemeClr val="tx1"/>
-                </a:solidFill>
-              </a:rPr>
-              <a:t>This separate script was created to handle the logarithmic nature of Chl concentrations.</a:t>
             </a:r>
           </a:p>
         </p:txBody>
@@ -4944,7 +4903,7 @@
                 <a:solidFill>
                   <a:schemeClr val="tx1"/>
                 </a:solidFill>
-                <a:hlinkClick r:id="rId10"/>
+                <a:hlinkClick r:id="rId9"/>
               </a:rPr>
               <a:t>satsitu-bars.py </a:t>
             </a:r>
@@ -5143,7 +5102,7 @@
                 <a:solidFill>
                   <a:schemeClr val="tx1"/>
                 </a:solidFill>
-                <a:hlinkClick r:id="rId11"/>
+                <a:hlinkClick r:id="rId10"/>
               </a:rPr>
               <a:t>depth_analysis.py </a:t>
             </a:r>

--- a/public/thesis_flowchart.pptx
+++ b/public/thesis_flowchart.pptx
@@ -254,7 +254,7 @@
           <a:p>
             <a:fld id="{C11135B2-2799-7344-BFFA-55E9A98D16BB}" type="datetimeFigureOut">
               <a:rPr lang="en-US" smtClean="0"/>
-              <a:t>6/17/24</a:t>
+              <a:t>7/15/24</a:t>
             </a:fld>
             <a:endParaRPr lang="en-US"/>
           </a:p>
@@ -424,7 +424,7 @@
           <a:p>
             <a:fld id="{C11135B2-2799-7344-BFFA-55E9A98D16BB}" type="datetimeFigureOut">
               <a:rPr lang="en-US" smtClean="0"/>
-              <a:t>6/17/24</a:t>
+              <a:t>7/15/24</a:t>
             </a:fld>
             <a:endParaRPr lang="en-US"/>
           </a:p>
@@ -604,7 +604,7 @@
           <a:p>
             <a:fld id="{C11135B2-2799-7344-BFFA-55E9A98D16BB}" type="datetimeFigureOut">
               <a:rPr lang="en-US" smtClean="0"/>
-              <a:t>6/17/24</a:t>
+              <a:t>7/15/24</a:t>
             </a:fld>
             <a:endParaRPr lang="en-US"/>
           </a:p>
@@ -774,7 +774,7 @@
           <a:p>
             <a:fld id="{C11135B2-2799-7344-BFFA-55E9A98D16BB}" type="datetimeFigureOut">
               <a:rPr lang="en-US" smtClean="0"/>
-              <a:t>6/17/24</a:t>
+              <a:t>7/15/24</a:t>
             </a:fld>
             <a:endParaRPr lang="en-US"/>
           </a:p>
@@ -1020,7 +1020,7 @@
           <a:p>
             <a:fld id="{C11135B2-2799-7344-BFFA-55E9A98D16BB}" type="datetimeFigureOut">
               <a:rPr lang="en-US" smtClean="0"/>
-              <a:t>6/17/24</a:t>
+              <a:t>7/15/24</a:t>
             </a:fld>
             <a:endParaRPr lang="en-US"/>
           </a:p>
@@ -1252,7 +1252,7 @@
           <a:p>
             <a:fld id="{C11135B2-2799-7344-BFFA-55E9A98D16BB}" type="datetimeFigureOut">
               <a:rPr lang="en-US" smtClean="0"/>
-              <a:t>6/17/24</a:t>
+              <a:t>7/15/24</a:t>
             </a:fld>
             <a:endParaRPr lang="en-US"/>
           </a:p>
@@ -1619,7 +1619,7 @@
           <a:p>
             <a:fld id="{C11135B2-2799-7344-BFFA-55E9A98D16BB}" type="datetimeFigureOut">
               <a:rPr lang="en-US" smtClean="0"/>
-              <a:t>6/17/24</a:t>
+              <a:t>7/15/24</a:t>
             </a:fld>
             <a:endParaRPr lang="en-US"/>
           </a:p>
@@ -1737,7 +1737,7 @@
           <a:p>
             <a:fld id="{C11135B2-2799-7344-BFFA-55E9A98D16BB}" type="datetimeFigureOut">
               <a:rPr lang="en-US" smtClean="0"/>
-              <a:t>6/17/24</a:t>
+              <a:t>7/15/24</a:t>
             </a:fld>
             <a:endParaRPr lang="en-US"/>
           </a:p>
@@ -1832,7 +1832,7 @@
           <a:p>
             <a:fld id="{C11135B2-2799-7344-BFFA-55E9A98D16BB}" type="datetimeFigureOut">
               <a:rPr lang="en-US" smtClean="0"/>
-              <a:t>6/17/24</a:t>
+              <a:t>7/15/24</a:t>
             </a:fld>
             <a:endParaRPr lang="en-US"/>
           </a:p>
@@ -2109,7 +2109,7 @@
           <a:p>
             <a:fld id="{C11135B2-2799-7344-BFFA-55E9A98D16BB}" type="datetimeFigureOut">
               <a:rPr lang="en-US" smtClean="0"/>
-              <a:t>6/17/24</a:t>
+              <a:t>7/15/24</a:t>
             </a:fld>
             <a:endParaRPr lang="en-US"/>
           </a:p>
@@ -2366,7 +2366,7 @@
           <a:p>
             <a:fld id="{C11135B2-2799-7344-BFFA-55E9A98D16BB}" type="datetimeFigureOut">
               <a:rPr lang="en-US" smtClean="0"/>
-              <a:t>6/17/24</a:t>
+              <a:t>7/15/24</a:t>
             </a:fld>
             <a:endParaRPr lang="en-US"/>
           </a:p>
@@ -2579,7 +2579,7 @@
           <a:p>
             <a:fld id="{C11135B2-2799-7344-BFFA-55E9A98D16BB}" type="datetimeFigureOut">
               <a:rPr lang="en-US" smtClean="0"/>
-              <a:t>6/17/24</a:t>
+              <a:t>7/15/24</a:t>
             </a:fld>
             <a:endParaRPr lang="en-US"/>
           </a:p>
@@ -4584,26 +4584,16 @@
                 <a:solidFill>
                   <a:schemeClr val="tx1"/>
                 </a:solidFill>
-                <a:hlinkClick r:id="rId7"/>
-              </a:rPr>
-              <a:t>satsitu_stats-histogram.py</a:t>
+              </a:rPr>
+              <a:t>satsitu_matchup_histogram.py</a:t>
             </a:r>
             <a:r>
               <a:rPr lang="en-US" sz="900" dirty="0">
                 <a:solidFill>
                   <a:schemeClr val="tx1"/>
                 </a:solidFill>
-                <a:hlinkClick r:id="rId7"/>
-              </a:rPr>
-              <a:t> </a:t>
-            </a:r>
-            <a:r>
-              <a:rPr lang="en-US" sz="900" dirty="0">
-                <a:solidFill>
-                  <a:schemeClr val="tx1"/>
-                </a:solidFill>
-              </a:rPr>
-              <a:t>script to:</a:t>
+              </a:rPr>
+              <a:t> script to:</a:t>
             </a:r>
           </a:p>
           <a:p>
@@ -4804,7 +4794,7 @@
                 <a:solidFill>
                   <a:schemeClr val="tx1"/>
                 </a:solidFill>
-                <a:hlinkClick r:id="rId8"/>
+                <a:hlinkClick r:id="rId7"/>
               </a:rPr>
               <a:t>3D_contour.py </a:t>
             </a:r>
@@ -4899,21 +4889,20 @@
               <a:t>Run the </a:t>
             </a:r>
             <a:r>
+              <a:rPr lang="en-US" sz="1000" dirty="0" err="1">
+                <a:solidFill>
+                  <a:schemeClr val="tx1"/>
+                </a:solidFill>
+              </a:rPr>
+              <a:t>satsitu_metric_histogram.py</a:t>
+            </a:r>
+            <a:r>
               <a:rPr lang="en-US" sz="1000" dirty="0">
                 <a:solidFill>
                   <a:schemeClr val="tx1"/>
                 </a:solidFill>
-                <a:hlinkClick r:id="rId9"/>
-              </a:rPr>
-              <a:t>satsitu-bars.py </a:t>
-            </a:r>
-            <a:r>
-              <a:rPr lang="en-US" sz="1000" dirty="0">
-                <a:solidFill>
-                  <a:schemeClr val="tx1"/>
-                </a:solidFill>
-              </a:rPr>
-              <a:t>to: </a:t>
+              </a:rPr>
+              <a:t> to: </a:t>
             </a:r>
           </a:p>
           <a:p>
@@ -5098,21 +5087,20 @@
               <a:t>Run the </a:t>
             </a:r>
             <a:r>
+              <a:rPr lang="en-US" sz="900" dirty="0" err="1">
+                <a:solidFill>
+                  <a:schemeClr val="tx1"/>
+                </a:solidFill>
+              </a:rPr>
+              <a:t>transect_analysis.py</a:t>
+            </a:r>
+            <a:r>
               <a:rPr lang="en-US" sz="900" dirty="0">
                 <a:solidFill>
                   <a:schemeClr val="tx1"/>
                 </a:solidFill>
-                <a:hlinkClick r:id="rId10"/>
-              </a:rPr>
-              <a:t>depth_analysis.py </a:t>
-            </a:r>
-            <a:r>
-              <a:rPr lang="en-US" sz="900" dirty="0">
-                <a:solidFill>
-                  <a:schemeClr val="tx1"/>
-                </a:solidFill>
-              </a:rPr>
-              <a:t>script to:</a:t>
+              </a:rPr>
+              <a:t> script to:</a:t>
             </a:r>
           </a:p>
           <a:p>
